--- a/CICD-Präsentation.pptx
+++ b/CICD-Präsentation.pptx
@@ -159,8 +159,7 @@
 <file path=ppt/revisionInfo.xml><?xml version="1.0" encoding="utf-8"?>
 <p1510:revInfo xmlns:a="http://schemas.openxmlformats.org/drawingml/2006/main" xmlns:r="http://schemas.openxmlformats.org/officeDocument/2006/relationships" xmlns:p1510="http://schemas.microsoft.com/office/powerpoint/2015/10/main">
   <p1510:revLst>
-    <p1510:client id="{7B3CDCB6-CBE1-4FEB-99C9-73D8CFD656CD}" v="266" dt="2025-06-29T11:01:45.348"/>
-    <p1510:client id="{FF78E954-8A4C-4506-ADA9-7EC3BF4C8C0C}" v="514" dt="2025-06-28T14:14:45.649"/>
+    <p1510:client id="{688B5D65-CE9A-4641-99E8-B22827F2EE7D}" v="10" dt="2025-07-03T19:51:29.635"/>
   </p1510:revLst>
 </p1510:revInfo>
 </file>
@@ -246,7 +245,7 @@
           </a:lstStyle>
           <a:p>
             <a:fld id="{245D3005-C8EC-4ABA-9182-15CCDF10B572}" type="datetimeFigureOut">
-              <a:t>29.06.2025</a:t>
+              <a:t>03.07.2025</a:t>
             </a:fld>
             <a:endParaRPr lang="de-DE"/>
           </a:p>
@@ -6690,7 +6689,7 @@
           <a:p>
             <a:fld id="{E80C50CD-E178-4744-9B35-B2F624D6C5E9}" type="datetimeFigureOut">
               <a:rPr lang="en-US" smtClean="0"/>
-              <a:t>6/29/2025</a:t>
+              <a:t>7/3/2025</a:t>
             </a:fld>
             <a:endParaRPr lang="en-US"/>
           </a:p>
@@ -6888,7 +6887,7 @@
           <a:p>
             <a:fld id="{E80C50CD-E178-4744-9B35-B2F624D6C5E9}" type="datetimeFigureOut">
               <a:rPr lang="en-US" smtClean="0"/>
-              <a:t>6/29/2025</a:t>
+              <a:t>7/3/2025</a:t>
             </a:fld>
             <a:endParaRPr lang="en-US"/>
           </a:p>
@@ -7096,7 +7095,7 @@
           <a:p>
             <a:fld id="{E80C50CD-E178-4744-9B35-B2F624D6C5E9}" type="datetimeFigureOut">
               <a:rPr lang="en-US" smtClean="0"/>
-              <a:t>6/29/2025</a:t>
+              <a:t>7/3/2025</a:t>
             </a:fld>
             <a:endParaRPr lang="en-US"/>
           </a:p>
@@ -7346,7 +7345,7 @@
           <a:p>
             <a:fld id="{E80C50CD-E178-4744-9B35-B2F624D6C5E9}" type="datetimeFigureOut">
               <a:rPr lang="en-US" smtClean="0"/>
-              <a:t>6/29/2025</a:t>
+              <a:t>7/3/2025</a:t>
             </a:fld>
             <a:endParaRPr lang="en-US"/>
           </a:p>
@@ -7625,7 +7624,7 @@
           <a:p>
             <a:fld id="{E80C50CD-E178-4744-9B35-B2F624D6C5E9}" type="datetimeFigureOut">
               <a:rPr lang="en-US" smtClean="0"/>
-              <a:t>6/29/2025</a:t>
+              <a:t>7/3/2025</a:t>
             </a:fld>
             <a:endParaRPr lang="en-US"/>
           </a:p>
@@ -7942,7 +7941,7 @@
           <a:p>
             <a:fld id="{E80C50CD-E178-4744-9B35-B2F624D6C5E9}" type="datetimeFigureOut">
               <a:rPr lang="en-US" smtClean="0"/>
-              <a:t>6/29/2025</a:t>
+              <a:t>7/3/2025</a:t>
             </a:fld>
             <a:endParaRPr lang="en-US"/>
           </a:p>
@@ -8358,7 +8357,7 @@
           <a:p>
             <a:fld id="{E80C50CD-E178-4744-9B35-B2F624D6C5E9}" type="datetimeFigureOut">
               <a:rPr lang="en-US" smtClean="0"/>
-              <a:t>6/29/2025</a:t>
+              <a:t>7/3/2025</a:t>
             </a:fld>
             <a:endParaRPr lang="en-US"/>
           </a:p>
@@ -8499,7 +8498,7 @@
           <a:p>
             <a:fld id="{E80C50CD-E178-4744-9B35-B2F624D6C5E9}" type="datetimeFigureOut">
               <a:rPr lang="en-US" smtClean="0"/>
-              <a:t>6/29/2025</a:t>
+              <a:t>7/3/2025</a:t>
             </a:fld>
             <a:endParaRPr lang="en-US"/>
           </a:p>
@@ -8612,7 +8611,7 @@
           <a:p>
             <a:fld id="{E80C50CD-E178-4744-9B35-B2F624D6C5E9}" type="datetimeFigureOut">
               <a:rPr lang="en-US" smtClean="0"/>
-              <a:t>6/29/2025</a:t>
+              <a:t>7/3/2025</a:t>
             </a:fld>
             <a:endParaRPr lang="en-US"/>
           </a:p>
@@ -8929,7 +8928,7 @@
           <a:p>
             <a:fld id="{E80C50CD-E178-4744-9B35-B2F624D6C5E9}" type="datetimeFigureOut">
               <a:rPr lang="en-US" smtClean="0"/>
-              <a:t>6/29/2025</a:t>
+              <a:t>7/3/2025</a:t>
             </a:fld>
             <a:endParaRPr lang="en-US"/>
           </a:p>
@@ -9221,7 +9220,7 @@
           <a:p>
             <a:fld id="{E80C50CD-E178-4744-9B35-B2F624D6C5E9}" type="datetimeFigureOut">
               <a:rPr lang="en-US" smtClean="0"/>
-              <a:t>6/29/2025</a:t>
+              <a:t>7/3/2025</a:t>
             </a:fld>
             <a:endParaRPr lang="en-US"/>
           </a:p>
@@ -9461,7 +9460,7 @@
             <a:fld id="{E80C50CD-E178-4744-9B35-B2F624D6C5E9}" type="datetimeFigureOut">
               <a:rPr lang="en-US" smtClean="0"/>
               <a:pPr/>
-              <a:t>6/29/2025</a:t>
+              <a:t>7/3/2025</a:t>
             </a:fld>
             <a:endParaRPr lang="en-US"/>
           </a:p>
@@ -15414,10 +15413,10 @@
             </a:pPr>
             <a:r>
               <a:rPr lang="de-DE" dirty="0"/>
-              <a:t>Es sollen auf folgenden Ebenen Variablen, für den angegeben Teil der Konsolenausgabe angelegt und benutzt werden: Root-Ebene - Grußformel | Job-Ebene - Begrüßter | </a:t>
-            </a:r>
-            <a:r>
-              <a:rPr lang="de-DE" err="1"/>
+              <a:t>Es sollen auf folgenden Ebenen Variablen, für den angegebenen Teil der Konsolenausgabe angelegt und benutzt werden: Root-Ebene - Grußformel | Job-Ebene - Begrüßter | </a:t>
+            </a:r>
+            <a:r>
+              <a:rPr lang="de-DE" dirty="0" err="1"/>
               <a:t>Step</a:t>
             </a:r>
             <a:r>
